--- a/intel_IP/IRIS/HW_IP/Interface/UART/UART 配置.pptx
+++ b/intel_IP/IRIS/HW_IP/Interface/UART/UART 配置.pptx
@@ -260,7 +260,7 @@
           <a:p>
             <a:fld id="{B69E8B2E-3279-4AF2-95CF-8BBEC020EEBE}" type="datetimeFigureOut">
               <a:rPr lang="zh-TW" altLang="en-US" smtClean="0"/>
-              <a:t>2025/5/22</a:t>
+              <a:t>2025/5/23</a:t>
             </a:fld>
             <a:endParaRPr lang="zh-TW" altLang="en-US"/>
           </a:p>
@@ -458,7 +458,7 @@
           <a:p>
             <a:fld id="{B69E8B2E-3279-4AF2-95CF-8BBEC020EEBE}" type="datetimeFigureOut">
               <a:rPr lang="zh-TW" altLang="en-US" smtClean="0"/>
-              <a:t>2025/5/22</a:t>
+              <a:t>2025/5/23</a:t>
             </a:fld>
             <a:endParaRPr lang="zh-TW" altLang="en-US"/>
           </a:p>
@@ -666,7 +666,7 @@
           <a:p>
             <a:fld id="{B69E8B2E-3279-4AF2-95CF-8BBEC020EEBE}" type="datetimeFigureOut">
               <a:rPr lang="zh-TW" altLang="en-US" smtClean="0"/>
-              <a:t>2025/5/22</a:t>
+              <a:t>2025/5/23</a:t>
             </a:fld>
             <a:endParaRPr lang="zh-TW" altLang="en-US"/>
           </a:p>
@@ -864,7 +864,7 @@
           <a:p>
             <a:fld id="{B69E8B2E-3279-4AF2-95CF-8BBEC020EEBE}" type="datetimeFigureOut">
               <a:rPr lang="zh-TW" altLang="en-US" smtClean="0"/>
-              <a:t>2025/5/22</a:t>
+              <a:t>2025/5/23</a:t>
             </a:fld>
             <a:endParaRPr lang="zh-TW" altLang="en-US"/>
           </a:p>
@@ -1139,7 +1139,7 @@
           <a:p>
             <a:fld id="{B69E8B2E-3279-4AF2-95CF-8BBEC020EEBE}" type="datetimeFigureOut">
               <a:rPr lang="zh-TW" altLang="en-US" smtClean="0"/>
-              <a:t>2025/5/22</a:t>
+              <a:t>2025/5/23</a:t>
             </a:fld>
             <a:endParaRPr lang="zh-TW" altLang="en-US"/>
           </a:p>
@@ -1404,7 +1404,7 @@
           <a:p>
             <a:fld id="{B69E8B2E-3279-4AF2-95CF-8BBEC020EEBE}" type="datetimeFigureOut">
               <a:rPr lang="zh-TW" altLang="en-US" smtClean="0"/>
-              <a:t>2025/5/22</a:t>
+              <a:t>2025/5/23</a:t>
             </a:fld>
             <a:endParaRPr lang="zh-TW" altLang="en-US"/>
           </a:p>
@@ -1816,7 +1816,7 @@
           <a:p>
             <a:fld id="{B69E8B2E-3279-4AF2-95CF-8BBEC020EEBE}" type="datetimeFigureOut">
               <a:rPr lang="zh-TW" altLang="en-US" smtClean="0"/>
-              <a:t>2025/5/22</a:t>
+              <a:t>2025/5/23</a:t>
             </a:fld>
             <a:endParaRPr lang="zh-TW" altLang="en-US"/>
           </a:p>
@@ -1957,7 +1957,7 @@
           <a:p>
             <a:fld id="{B69E8B2E-3279-4AF2-95CF-8BBEC020EEBE}" type="datetimeFigureOut">
               <a:rPr lang="zh-TW" altLang="en-US" smtClean="0"/>
-              <a:t>2025/5/22</a:t>
+              <a:t>2025/5/23</a:t>
             </a:fld>
             <a:endParaRPr lang="zh-TW" altLang="en-US"/>
           </a:p>
@@ -2070,7 +2070,7 @@
           <a:p>
             <a:fld id="{B69E8B2E-3279-4AF2-95CF-8BBEC020EEBE}" type="datetimeFigureOut">
               <a:rPr lang="zh-TW" altLang="en-US" smtClean="0"/>
-              <a:t>2025/5/22</a:t>
+              <a:t>2025/5/23</a:t>
             </a:fld>
             <a:endParaRPr lang="zh-TW" altLang="en-US"/>
           </a:p>
@@ -2381,7 +2381,7 @@
           <a:p>
             <a:fld id="{B69E8B2E-3279-4AF2-95CF-8BBEC020EEBE}" type="datetimeFigureOut">
               <a:rPr lang="zh-TW" altLang="en-US" smtClean="0"/>
-              <a:t>2025/5/22</a:t>
+              <a:t>2025/5/23</a:t>
             </a:fld>
             <a:endParaRPr lang="zh-TW" altLang="en-US"/>
           </a:p>
@@ -2669,7 +2669,7 @@
           <a:p>
             <a:fld id="{B69E8B2E-3279-4AF2-95CF-8BBEC020EEBE}" type="datetimeFigureOut">
               <a:rPr lang="zh-TW" altLang="en-US" smtClean="0"/>
-              <a:t>2025/5/22</a:t>
+              <a:t>2025/5/23</a:t>
             </a:fld>
             <a:endParaRPr lang="zh-TW" altLang="en-US"/>
           </a:p>
@@ -2910,7 +2910,7 @@
           <a:p>
             <a:fld id="{B69E8B2E-3279-4AF2-95CF-8BBEC020EEBE}" type="datetimeFigureOut">
               <a:rPr lang="zh-TW" altLang="en-US" smtClean="0"/>
-              <a:t>2025/5/22</a:t>
+              <a:t>2025/5/23</a:t>
             </a:fld>
             <a:endParaRPr lang="zh-TW" altLang="en-US"/>
           </a:p>
@@ -3641,6 +3641,853 @@
           <a:chExt cx="0" cy="0"/>
         </a:xfrm>
       </p:grpSpPr>
+      <p:sp>
+        <p:nvSpPr>
+          <p:cNvPr id="2" name="文字方塊 1">
+            <a:extLst>
+              <a:ext uri="{FF2B5EF4-FFF2-40B4-BE49-F238E27FC236}">
+                <a16:creationId xmlns:a16="http://schemas.microsoft.com/office/drawing/2014/main" id="{5CBCD70A-4F44-00D8-4735-FFAB4D5334D3}"/>
+              </a:ext>
+            </a:extLst>
+          </p:cNvPr>
+          <p:cNvSpPr txBox="1"/>
+          <p:nvPr/>
+        </p:nvSpPr>
+        <p:spPr>
+          <a:xfrm>
+            <a:off x="323273" y="129308"/>
+            <a:ext cx="1724896" cy="369332"/>
+          </a:xfrm>
+          <a:prstGeom prst="rect">
+            <a:avLst/>
+          </a:prstGeom>
+          <a:noFill/>
+        </p:spPr>
+        <p:txBody>
+          <a:bodyPr wrap="none" rtlCol="0">
+            <a:spAutoFit/>
+          </a:bodyPr>
+          <a:lstStyle>
+            <a:defPPr>
+              <a:defRPr lang="zh-TW"/>
+            </a:defPPr>
+            <a:lvl1pPr>
+              <a:defRPr u="sng"/>
+            </a:lvl1pPr>
+          </a:lstStyle>
+          <a:p>
+            <a:r>
+              <a:rPr lang="zh-TW" altLang="en-US" dirty="0"/>
+              <a:t>改成使用</a:t>
+            </a:r>
+            <a:r>
+              <a:rPr lang="en-US" altLang="zh-TW" dirty="0"/>
+              <a:t>FPGA:</a:t>
+            </a:r>
+            <a:endParaRPr lang="zh-TW" altLang="en-US" dirty="0"/>
+          </a:p>
+        </p:txBody>
+      </p:sp>
+      <p:sp>
+        <p:nvSpPr>
+          <p:cNvPr id="3" name="矩形 2">
+            <a:extLst>
+              <a:ext uri="{FF2B5EF4-FFF2-40B4-BE49-F238E27FC236}">
+                <a16:creationId xmlns:a16="http://schemas.microsoft.com/office/drawing/2014/main" id="{001C7FB7-2E28-C40B-B7E4-B7D9D4FCADAD}"/>
+              </a:ext>
+            </a:extLst>
+          </p:cNvPr>
+          <p:cNvSpPr/>
+          <p:nvPr/>
+        </p:nvSpPr>
+        <p:spPr>
+          <a:xfrm>
+            <a:off x="6096000" y="1229591"/>
+            <a:ext cx="2080953" cy="1951182"/>
+          </a:xfrm>
+          <a:prstGeom prst="rect">
+            <a:avLst/>
+          </a:prstGeom>
+        </p:spPr>
+        <p:style>
+          <a:lnRef idx="2">
+            <a:schemeClr val="accent1">
+              <a:shade val="15000"/>
+            </a:schemeClr>
+          </a:lnRef>
+          <a:fillRef idx="1">
+            <a:schemeClr val="accent1"/>
+          </a:fillRef>
+          <a:effectRef idx="0">
+            <a:schemeClr val="accent1"/>
+          </a:effectRef>
+          <a:fontRef idx="minor">
+            <a:schemeClr val="lt1"/>
+          </a:fontRef>
+        </p:style>
+        <p:txBody>
+          <a:bodyPr rtlCol="0" anchor="ctr"/>
+          <a:lstStyle/>
+          <a:p>
+            <a:pPr algn="ctr"/>
+            <a:endParaRPr lang="zh-TW" altLang="en-US"/>
+          </a:p>
+        </p:txBody>
+      </p:sp>
+      <p:sp>
+        <p:nvSpPr>
+          <p:cNvPr id="4" name="文字方塊 3">
+            <a:extLst>
+              <a:ext uri="{FF2B5EF4-FFF2-40B4-BE49-F238E27FC236}">
+                <a16:creationId xmlns:a16="http://schemas.microsoft.com/office/drawing/2014/main" id="{2BD1E99A-6486-C005-4D72-C798AEEA4704}"/>
+              </a:ext>
+            </a:extLst>
+          </p:cNvPr>
+          <p:cNvSpPr txBox="1"/>
+          <p:nvPr/>
+        </p:nvSpPr>
+        <p:spPr>
+          <a:xfrm>
+            <a:off x="7839825" y="1525278"/>
+            <a:ext cx="423514" cy="369332"/>
+          </a:xfrm>
+          <a:prstGeom prst="rect">
+            <a:avLst/>
+          </a:prstGeom>
+          <a:noFill/>
+        </p:spPr>
+        <p:txBody>
+          <a:bodyPr wrap="none" rtlCol="0">
+            <a:spAutoFit/>
+          </a:bodyPr>
+          <a:lstStyle/>
+          <a:p>
+            <a:r>
+              <a:rPr lang="en-US" altLang="zh-TW" dirty="0">
+                <a:highlight>
+                  <a:srgbClr val="FFFF00"/>
+                </a:highlight>
+              </a:rPr>
+              <a:t>TX</a:t>
+            </a:r>
+            <a:endParaRPr lang="zh-TW" altLang="en-US" dirty="0">
+              <a:highlight>
+                <a:srgbClr val="FFFF00"/>
+              </a:highlight>
+            </a:endParaRPr>
+          </a:p>
+        </p:txBody>
+      </p:sp>
+      <p:sp>
+        <p:nvSpPr>
+          <p:cNvPr id="5" name="文字方塊 4">
+            <a:extLst>
+              <a:ext uri="{FF2B5EF4-FFF2-40B4-BE49-F238E27FC236}">
+                <a16:creationId xmlns:a16="http://schemas.microsoft.com/office/drawing/2014/main" id="{465F6CA9-3240-237C-9912-ACA332EFFA4F}"/>
+              </a:ext>
+            </a:extLst>
+          </p:cNvPr>
+          <p:cNvSpPr txBox="1"/>
+          <p:nvPr/>
+        </p:nvSpPr>
+        <p:spPr>
+          <a:xfrm>
+            <a:off x="7810971" y="2559628"/>
+            <a:ext cx="452368" cy="369332"/>
+          </a:xfrm>
+          <a:prstGeom prst="rect">
+            <a:avLst/>
+          </a:prstGeom>
+          <a:noFill/>
+        </p:spPr>
+        <p:txBody>
+          <a:bodyPr wrap="none" rtlCol="0">
+            <a:spAutoFit/>
+          </a:bodyPr>
+          <a:lstStyle/>
+          <a:p>
+            <a:r>
+              <a:rPr lang="en-US" altLang="zh-TW" dirty="0">
+                <a:highlight>
+                  <a:srgbClr val="FFFF00"/>
+                </a:highlight>
+              </a:rPr>
+              <a:t>RX</a:t>
+            </a:r>
+            <a:endParaRPr lang="zh-TW" altLang="en-US" dirty="0">
+              <a:highlight>
+                <a:srgbClr val="FFFF00"/>
+              </a:highlight>
+            </a:endParaRPr>
+          </a:p>
+        </p:txBody>
+      </p:sp>
+      <p:sp>
+        <p:nvSpPr>
+          <p:cNvPr id="6" name="矩形 5">
+            <a:extLst>
+              <a:ext uri="{FF2B5EF4-FFF2-40B4-BE49-F238E27FC236}">
+                <a16:creationId xmlns:a16="http://schemas.microsoft.com/office/drawing/2014/main" id="{C5478DFF-E59E-9ACD-0BF3-2A89193AB497}"/>
+              </a:ext>
+            </a:extLst>
+          </p:cNvPr>
+          <p:cNvSpPr/>
+          <p:nvPr/>
+        </p:nvSpPr>
+        <p:spPr>
+          <a:xfrm>
+            <a:off x="8592590" y="1709944"/>
+            <a:ext cx="905163" cy="1088615"/>
+          </a:xfrm>
+          <a:prstGeom prst="rect">
+            <a:avLst/>
+          </a:prstGeom>
+          <a:solidFill>
+            <a:schemeClr val="bg1"/>
+          </a:solidFill>
+        </p:spPr>
+        <p:style>
+          <a:lnRef idx="2">
+            <a:schemeClr val="accent1">
+              <a:shade val="15000"/>
+            </a:schemeClr>
+          </a:lnRef>
+          <a:fillRef idx="1">
+            <a:schemeClr val="accent1"/>
+          </a:fillRef>
+          <a:effectRef idx="0">
+            <a:schemeClr val="accent1"/>
+          </a:effectRef>
+          <a:fontRef idx="minor">
+            <a:schemeClr val="lt1"/>
+          </a:fontRef>
+        </p:style>
+        <p:txBody>
+          <a:bodyPr rtlCol="0" anchor="ctr"/>
+          <a:lstStyle/>
+          <a:p>
+            <a:pPr algn="ctr"/>
+            <a:r>
+              <a:rPr lang="en-US" altLang="zh-TW" dirty="0">
+                <a:solidFill>
+                  <a:sysClr val="windowText" lastClr="000000"/>
+                </a:solidFill>
+              </a:rPr>
+              <a:t>PHY</a:t>
+            </a:r>
+            <a:r>
+              <a:rPr lang="zh-TW" altLang="en-US" dirty="0">
+                <a:solidFill>
+                  <a:sysClr val="windowText" lastClr="000000"/>
+                </a:solidFill>
+              </a:rPr>
+              <a:t> </a:t>
+            </a:r>
+          </a:p>
+        </p:txBody>
+      </p:sp>
+      <p:sp>
+        <p:nvSpPr>
+          <p:cNvPr id="7" name="矩形 6">
+            <a:extLst>
+              <a:ext uri="{FF2B5EF4-FFF2-40B4-BE49-F238E27FC236}">
+                <a16:creationId xmlns:a16="http://schemas.microsoft.com/office/drawing/2014/main" id="{D13E1A7A-3165-85F0-5AB4-85DAFCC0BBFC}"/>
+              </a:ext>
+            </a:extLst>
+          </p:cNvPr>
+          <p:cNvSpPr/>
+          <p:nvPr/>
+        </p:nvSpPr>
+        <p:spPr>
+          <a:xfrm>
+            <a:off x="9913390" y="1863437"/>
+            <a:ext cx="1311564" cy="729673"/>
+          </a:xfrm>
+          <a:prstGeom prst="rect">
+            <a:avLst/>
+          </a:prstGeom>
+          <a:solidFill>
+            <a:schemeClr val="bg1"/>
+          </a:solidFill>
+        </p:spPr>
+        <p:style>
+          <a:lnRef idx="2">
+            <a:schemeClr val="accent1">
+              <a:shade val="15000"/>
+            </a:schemeClr>
+          </a:lnRef>
+          <a:fillRef idx="1">
+            <a:schemeClr val="accent1"/>
+          </a:fillRef>
+          <a:effectRef idx="0">
+            <a:schemeClr val="accent1"/>
+          </a:effectRef>
+          <a:fontRef idx="minor">
+            <a:schemeClr val="lt1"/>
+          </a:fontRef>
+        </p:style>
+        <p:txBody>
+          <a:bodyPr rtlCol="0" anchor="ctr"/>
+          <a:lstStyle/>
+          <a:p>
+            <a:pPr algn="ctr"/>
+            <a:r>
+              <a:rPr lang="en-US" altLang="zh-TW" dirty="0">
+                <a:solidFill>
+                  <a:sysClr val="windowText" lastClr="000000"/>
+                </a:solidFill>
+              </a:rPr>
+              <a:t>Out Conn.</a:t>
+            </a:r>
+            <a:endParaRPr lang="zh-TW" altLang="en-US" dirty="0">
+              <a:solidFill>
+                <a:sysClr val="windowText" lastClr="000000"/>
+              </a:solidFill>
+            </a:endParaRPr>
+          </a:p>
+        </p:txBody>
+      </p:sp>
+      <p:cxnSp>
+        <p:nvCxnSpPr>
+          <p:cNvPr id="9" name="直線單箭頭接點 8">
+            <a:extLst>
+              <a:ext uri="{FF2B5EF4-FFF2-40B4-BE49-F238E27FC236}">
+                <a16:creationId xmlns:a16="http://schemas.microsoft.com/office/drawing/2014/main" id="{8AEB7ECC-490C-08A8-D2B6-A1009DD43C04}"/>
+              </a:ext>
+            </a:extLst>
+          </p:cNvPr>
+          <p:cNvCxnSpPr>
+            <a:cxnSpLocks/>
+            <a:stCxn id="4" idx="3"/>
+          </p:cNvCxnSpPr>
+          <p:nvPr/>
+        </p:nvCxnSpPr>
+        <p:spPr>
+          <a:xfrm>
+            <a:off x="8263339" y="1709944"/>
+            <a:ext cx="329251" cy="285544"/>
+          </a:xfrm>
+          <a:prstGeom prst="straightConnector1">
+            <a:avLst/>
+          </a:prstGeom>
+          <a:ln>
+            <a:tailEnd type="triangle"/>
+          </a:ln>
+        </p:spPr>
+        <p:style>
+          <a:lnRef idx="2">
+            <a:schemeClr val="accent1"/>
+          </a:lnRef>
+          <a:fillRef idx="0">
+            <a:schemeClr val="accent1"/>
+          </a:fillRef>
+          <a:effectRef idx="1">
+            <a:schemeClr val="accent1"/>
+          </a:effectRef>
+          <a:fontRef idx="minor">
+            <a:schemeClr val="tx1"/>
+          </a:fontRef>
+        </p:style>
+      </p:cxnSp>
+      <p:cxnSp>
+        <p:nvCxnSpPr>
+          <p:cNvPr id="12" name="直線單箭頭接點 11">
+            <a:extLst>
+              <a:ext uri="{FF2B5EF4-FFF2-40B4-BE49-F238E27FC236}">
+                <a16:creationId xmlns:a16="http://schemas.microsoft.com/office/drawing/2014/main" id="{7A525527-EA71-0B80-AF09-2C5102C74CEE}"/>
+              </a:ext>
+            </a:extLst>
+          </p:cNvPr>
+          <p:cNvCxnSpPr>
+            <a:stCxn id="5" idx="3"/>
+          </p:cNvCxnSpPr>
+          <p:nvPr/>
+        </p:nvCxnSpPr>
+        <p:spPr>
+          <a:xfrm flipV="1">
+            <a:off x="8263339" y="2466975"/>
+            <a:ext cx="329251" cy="277319"/>
+          </a:xfrm>
+          <a:prstGeom prst="straightConnector1">
+            <a:avLst/>
+          </a:prstGeom>
+          <a:ln>
+            <a:tailEnd type="triangle"/>
+          </a:ln>
+        </p:spPr>
+        <p:style>
+          <a:lnRef idx="2">
+            <a:schemeClr val="accent1"/>
+          </a:lnRef>
+          <a:fillRef idx="0">
+            <a:schemeClr val="accent1"/>
+          </a:fillRef>
+          <a:effectRef idx="1">
+            <a:schemeClr val="accent1"/>
+          </a:effectRef>
+          <a:fontRef idx="minor">
+            <a:schemeClr val="tx1"/>
+          </a:fontRef>
+        </p:style>
+      </p:cxnSp>
+      <p:cxnSp>
+        <p:nvCxnSpPr>
+          <p:cNvPr id="14" name="直線單箭頭接點 13">
+            <a:extLst>
+              <a:ext uri="{FF2B5EF4-FFF2-40B4-BE49-F238E27FC236}">
+                <a16:creationId xmlns:a16="http://schemas.microsoft.com/office/drawing/2014/main" id="{1F3868DF-6361-4836-8B30-AAAA3BD1EB36}"/>
+              </a:ext>
+            </a:extLst>
+          </p:cNvPr>
+          <p:cNvCxnSpPr>
+            <a:stCxn id="6" idx="3"/>
+            <a:endCxn id="7" idx="1"/>
+          </p:cNvCxnSpPr>
+          <p:nvPr/>
+        </p:nvCxnSpPr>
+        <p:spPr>
+          <a:xfrm flipV="1">
+            <a:off x="9497753" y="2228274"/>
+            <a:ext cx="415637" cy="25978"/>
+          </a:xfrm>
+          <a:prstGeom prst="straightConnector1">
+            <a:avLst/>
+          </a:prstGeom>
+          <a:ln>
+            <a:tailEnd type="triangle"/>
+          </a:ln>
+        </p:spPr>
+        <p:style>
+          <a:lnRef idx="2">
+            <a:schemeClr val="accent1"/>
+          </a:lnRef>
+          <a:fillRef idx="0">
+            <a:schemeClr val="accent1"/>
+          </a:fillRef>
+          <a:effectRef idx="1">
+            <a:schemeClr val="accent1"/>
+          </a:effectRef>
+          <a:fontRef idx="minor">
+            <a:schemeClr val="tx1"/>
+          </a:fontRef>
+        </p:style>
+      </p:cxnSp>
+      <p:sp>
+        <p:nvSpPr>
+          <p:cNvPr id="15" name="文字方塊 14">
+            <a:extLst>
+              <a:ext uri="{FF2B5EF4-FFF2-40B4-BE49-F238E27FC236}">
+                <a16:creationId xmlns:a16="http://schemas.microsoft.com/office/drawing/2014/main" id="{BF74353E-A7D0-F1F7-7BD2-B5C47B290232}"/>
+              </a:ext>
+            </a:extLst>
+          </p:cNvPr>
+          <p:cNvSpPr txBox="1"/>
+          <p:nvPr/>
+        </p:nvSpPr>
+        <p:spPr>
+          <a:xfrm>
+            <a:off x="6890475" y="860259"/>
+            <a:ext cx="735842" cy="369332"/>
+          </a:xfrm>
+          <a:prstGeom prst="rect">
+            <a:avLst/>
+          </a:prstGeom>
+          <a:noFill/>
+        </p:spPr>
+        <p:txBody>
+          <a:bodyPr wrap="none" rtlCol="0">
+            <a:spAutoFit/>
+          </a:bodyPr>
+          <a:lstStyle/>
+          <a:p>
+            <a:r>
+              <a:rPr lang="en-US" altLang="zh-TW" dirty="0"/>
+              <a:t>FPGA</a:t>
+            </a:r>
+            <a:endParaRPr lang="zh-TW" altLang="en-US" dirty="0"/>
+          </a:p>
+        </p:txBody>
+      </p:sp>
+      <p:sp>
+        <p:nvSpPr>
+          <p:cNvPr id="16" name="文字方塊 15">
+            <a:extLst>
+              <a:ext uri="{FF2B5EF4-FFF2-40B4-BE49-F238E27FC236}">
+                <a16:creationId xmlns:a16="http://schemas.microsoft.com/office/drawing/2014/main" id="{00FE294E-D70B-E35C-2E89-472721F86659}"/>
+              </a:ext>
+            </a:extLst>
+          </p:cNvPr>
+          <p:cNvSpPr txBox="1"/>
+          <p:nvPr/>
+        </p:nvSpPr>
+        <p:spPr>
+          <a:xfrm>
+            <a:off x="6809677" y="2559628"/>
+            <a:ext cx="672043" cy="369332"/>
+          </a:xfrm>
+          <a:prstGeom prst="rect">
+            <a:avLst/>
+          </a:prstGeom>
+          <a:noFill/>
+        </p:spPr>
+        <p:txBody>
+          <a:bodyPr wrap="none" rtlCol="0">
+            <a:spAutoFit/>
+          </a:bodyPr>
+          <a:lstStyle/>
+          <a:p>
+            <a:r>
+              <a:rPr lang="en-US" altLang="zh-TW" dirty="0" err="1">
+                <a:highlight>
+                  <a:srgbClr val="FFFF00"/>
+                </a:highlight>
+              </a:rPr>
+              <a:t>rxreg</a:t>
+            </a:r>
+            <a:endParaRPr lang="zh-TW" altLang="en-US" dirty="0">
+              <a:highlight>
+                <a:srgbClr val="FFFF00"/>
+              </a:highlight>
+            </a:endParaRPr>
+          </a:p>
+        </p:txBody>
+      </p:sp>
+      <p:sp>
+        <p:nvSpPr>
+          <p:cNvPr id="17" name="文字方塊 16">
+            <a:extLst>
+              <a:ext uri="{FF2B5EF4-FFF2-40B4-BE49-F238E27FC236}">
+                <a16:creationId xmlns:a16="http://schemas.microsoft.com/office/drawing/2014/main" id="{029D378F-2E65-6995-D1B2-2F2F968A5180}"/>
+              </a:ext>
+            </a:extLst>
+          </p:cNvPr>
+          <p:cNvSpPr txBox="1"/>
+          <p:nvPr/>
+        </p:nvSpPr>
+        <p:spPr>
+          <a:xfrm>
+            <a:off x="6819827" y="1508653"/>
+            <a:ext cx="670440" cy="369332"/>
+          </a:xfrm>
+          <a:prstGeom prst="rect">
+            <a:avLst/>
+          </a:prstGeom>
+          <a:noFill/>
+        </p:spPr>
+        <p:txBody>
+          <a:bodyPr wrap="none" rtlCol="0">
+            <a:spAutoFit/>
+          </a:bodyPr>
+          <a:lstStyle/>
+          <a:p>
+            <a:r>
+              <a:rPr lang="en-US" altLang="zh-TW" dirty="0" err="1">
+                <a:highlight>
+                  <a:srgbClr val="FFFF00"/>
+                </a:highlight>
+              </a:rPr>
+              <a:t>txreg</a:t>
+            </a:r>
+            <a:endParaRPr lang="zh-TW" altLang="en-US" dirty="0">
+              <a:highlight>
+                <a:srgbClr val="FFFF00"/>
+              </a:highlight>
+            </a:endParaRPr>
+          </a:p>
+        </p:txBody>
+      </p:sp>
+      <p:cxnSp>
+        <p:nvCxnSpPr>
+          <p:cNvPr id="19" name="直線單箭頭接點 18">
+            <a:extLst>
+              <a:ext uri="{FF2B5EF4-FFF2-40B4-BE49-F238E27FC236}">
+                <a16:creationId xmlns:a16="http://schemas.microsoft.com/office/drawing/2014/main" id="{A59F78BD-824D-663C-58A7-82FE7FB5CA65}"/>
+              </a:ext>
+            </a:extLst>
+          </p:cNvPr>
+          <p:cNvCxnSpPr>
+            <a:cxnSpLocks/>
+            <a:stCxn id="16" idx="1"/>
+          </p:cNvCxnSpPr>
+          <p:nvPr/>
+        </p:nvCxnSpPr>
+        <p:spPr>
+          <a:xfrm flipH="1">
+            <a:off x="4922520" y="2744294"/>
+            <a:ext cx="1887157" cy="0"/>
+          </a:xfrm>
+          <a:prstGeom prst="straightConnector1">
+            <a:avLst/>
+          </a:prstGeom>
+          <a:ln>
+            <a:tailEnd type="triangle"/>
+          </a:ln>
+        </p:spPr>
+        <p:style>
+          <a:lnRef idx="2">
+            <a:schemeClr val="dk1"/>
+          </a:lnRef>
+          <a:fillRef idx="0">
+            <a:schemeClr val="dk1"/>
+          </a:fillRef>
+          <a:effectRef idx="1">
+            <a:schemeClr val="dk1"/>
+          </a:effectRef>
+          <a:fontRef idx="minor">
+            <a:schemeClr val="tx1"/>
+          </a:fontRef>
+        </p:style>
+      </p:cxnSp>
+      <p:sp>
+        <p:nvSpPr>
+          <p:cNvPr id="20" name="文字方塊 19">
+            <a:extLst>
+              <a:ext uri="{FF2B5EF4-FFF2-40B4-BE49-F238E27FC236}">
+                <a16:creationId xmlns:a16="http://schemas.microsoft.com/office/drawing/2014/main" id="{2BB79606-B81D-AA22-9184-4F35C6180BFA}"/>
+              </a:ext>
+            </a:extLst>
+          </p:cNvPr>
+          <p:cNvSpPr txBox="1"/>
+          <p:nvPr/>
+        </p:nvSpPr>
+        <p:spPr>
+          <a:xfrm>
+            <a:off x="5042057" y="2374962"/>
+            <a:ext cx="1053943" cy="369332"/>
+          </a:xfrm>
+          <a:prstGeom prst="rect">
+            <a:avLst/>
+          </a:prstGeom>
+          <a:noFill/>
+        </p:spPr>
+        <p:txBody>
+          <a:bodyPr wrap="none" rtlCol="0">
+            <a:spAutoFit/>
+          </a:bodyPr>
+          <a:lstStyle/>
+          <a:p>
+            <a:r>
+              <a:rPr lang="en-US" altLang="zh-TW" dirty="0"/>
+              <a:t>Interrupt</a:t>
+            </a:r>
+            <a:endParaRPr lang="zh-TW" altLang="en-US" dirty="0"/>
+          </a:p>
+        </p:txBody>
+      </p:sp>
+      <p:cxnSp>
+        <p:nvCxnSpPr>
+          <p:cNvPr id="23" name="接點: 肘形 22">
+            <a:extLst>
+              <a:ext uri="{FF2B5EF4-FFF2-40B4-BE49-F238E27FC236}">
+                <a16:creationId xmlns:a16="http://schemas.microsoft.com/office/drawing/2014/main" id="{30360384-026B-2E76-C1DA-85E9316D658C}"/>
+              </a:ext>
+            </a:extLst>
+          </p:cNvPr>
+          <p:cNvCxnSpPr>
+            <a:stCxn id="16" idx="2"/>
+          </p:cNvCxnSpPr>
+          <p:nvPr/>
+        </p:nvCxnSpPr>
+        <p:spPr>
+          <a:xfrm rot="5400000">
+            <a:off x="5989830" y="1861651"/>
+            <a:ext cx="88560" cy="2223179"/>
+          </a:xfrm>
+          <a:prstGeom prst="bentConnector2">
+            <a:avLst/>
+          </a:prstGeom>
+          <a:ln>
+            <a:tailEnd type="triangle"/>
+          </a:ln>
+        </p:spPr>
+        <p:style>
+          <a:lnRef idx="2">
+            <a:schemeClr val="dk1"/>
+          </a:lnRef>
+          <a:fillRef idx="0">
+            <a:schemeClr val="dk1"/>
+          </a:fillRef>
+          <a:effectRef idx="1">
+            <a:schemeClr val="dk1"/>
+          </a:effectRef>
+          <a:fontRef idx="minor">
+            <a:schemeClr val="tx1"/>
+          </a:fontRef>
+        </p:style>
+      </p:cxnSp>
+      <p:sp>
+        <p:nvSpPr>
+          <p:cNvPr id="24" name="文字方塊 23">
+            <a:extLst>
+              <a:ext uri="{FF2B5EF4-FFF2-40B4-BE49-F238E27FC236}">
+                <a16:creationId xmlns:a16="http://schemas.microsoft.com/office/drawing/2014/main" id="{356AA901-6E63-7AE1-E1EE-CFC8C9116FB1}"/>
+              </a:ext>
+            </a:extLst>
+          </p:cNvPr>
+          <p:cNvSpPr txBox="1"/>
+          <p:nvPr/>
+        </p:nvSpPr>
+        <p:spPr>
+          <a:xfrm>
+            <a:off x="5252147" y="2980860"/>
+            <a:ext cx="919098" cy="369332"/>
+          </a:xfrm>
+          <a:prstGeom prst="rect">
+            <a:avLst/>
+          </a:prstGeom>
+          <a:noFill/>
+        </p:spPr>
+        <p:txBody>
+          <a:bodyPr wrap="none" rtlCol="0">
+            <a:spAutoFit/>
+          </a:bodyPr>
+          <a:lstStyle/>
+          <a:p>
+            <a:r>
+              <a:rPr lang="en-US" altLang="zh-TW" dirty="0" err="1"/>
+              <a:t>rx_data</a:t>
+            </a:r>
+            <a:endParaRPr lang="zh-TW" altLang="en-US" dirty="0"/>
+          </a:p>
+        </p:txBody>
+      </p:sp>
+      <p:sp>
+        <p:nvSpPr>
+          <p:cNvPr id="25" name="矩形 24">
+            <a:extLst>
+              <a:ext uri="{FF2B5EF4-FFF2-40B4-BE49-F238E27FC236}">
+                <a16:creationId xmlns:a16="http://schemas.microsoft.com/office/drawing/2014/main" id="{5FE2E55A-AD64-C883-F1BC-23C07C9FFFBD}"/>
+              </a:ext>
+            </a:extLst>
+          </p:cNvPr>
+          <p:cNvSpPr/>
+          <p:nvPr/>
+        </p:nvSpPr>
+        <p:spPr>
+          <a:xfrm>
+            <a:off x="3611880" y="2072640"/>
+            <a:ext cx="1310640" cy="1356360"/>
+          </a:xfrm>
+          <a:prstGeom prst="rect">
+            <a:avLst/>
+          </a:prstGeom>
+          <a:noFill/>
+        </p:spPr>
+        <p:style>
+          <a:lnRef idx="2">
+            <a:schemeClr val="accent1">
+              <a:shade val="15000"/>
+            </a:schemeClr>
+          </a:lnRef>
+          <a:fillRef idx="1">
+            <a:schemeClr val="accent1"/>
+          </a:fillRef>
+          <a:effectRef idx="0">
+            <a:schemeClr val="accent1"/>
+          </a:effectRef>
+          <a:fontRef idx="minor">
+            <a:schemeClr val="lt1"/>
+          </a:fontRef>
+        </p:style>
+        <p:txBody>
+          <a:bodyPr rtlCol="0" anchor="ctr"/>
+          <a:lstStyle/>
+          <a:p>
+            <a:pPr algn="ctr"/>
+            <a:r>
+              <a:rPr lang="en-US" altLang="zh-TW" dirty="0">
+                <a:solidFill>
+                  <a:schemeClr val="tx1"/>
+                </a:solidFill>
+              </a:rPr>
+              <a:t>Nios2</a:t>
+            </a:r>
+            <a:endParaRPr lang="zh-TW" altLang="en-US" dirty="0">
+              <a:solidFill>
+                <a:schemeClr val="tx1"/>
+              </a:solidFill>
+            </a:endParaRPr>
+          </a:p>
+        </p:txBody>
+      </p:sp>
+      <p:cxnSp>
+        <p:nvCxnSpPr>
+          <p:cNvPr id="27" name="接點: 肘形 26">
+            <a:extLst>
+              <a:ext uri="{FF2B5EF4-FFF2-40B4-BE49-F238E27FC236}">
+                <a16:creationId xmlns:a16="http://schemas.microsoft.com/office/drawing/2014/main" id="{08D92746-5D62-CE81-4256-746E0FB62431}"/>
+              </a:ext>
+            </a:extLst>
+          </p:cNvPr>
+          <p:cNvCxnSpPr>
+            <a:stCxn id="25" idx="0"/>
+            <a:endCxn id="17" idx="1"/>
+          </p:cNvCxnSpPr>
+          <p:nvPr/>
+        </p:nvCxnSpPr>
+        <p:spPr>
+          <a:xfrm rot="5400000" flipH="1" flipV="1">
+            <a:off x="5353853" y="606667"/>
+            <a:ext cx="379321" cy="2552627"/>
+          </a:xfrm>
+          <a:prstGeom prst="bentConnector2">
+            <a:avLst/>
+          </a:prstGeom>
+          <a:ln>
+            <a:tailEnd type="triangle"/>
+          </a:ln>
+        </p:spPr>
+        <p:style>
+          <a:lnRef idx="2">
+            <a:schemeClr val="dk1"/>
+          </a:lnRef>
+          <a:fillRef idx="0">
+            <a:schemeClr val="dk1"/>
+          </a:fillRef>
+          <a:effectRef idx="1">
+            <a:schemeClr val="dk1"/>
+          </a:effectRef>
+          <a:fontRef idx="minor">
+            <a:schemeClr val="tx1"/>
+          </a:fontRef>
+        </p:style>
+      </p:cxnSp>
+      <p:sp>
+        <p:nvSpPr>
+          <p:cNvPr id="28" name="文字方塊 27">
+            <a:extLst>
+              <a:ext uri="{FF2B5EF4-FFF2-40B4-BE49-F238E27FC236}">
+                <a16:creationId xmlns:a16="http://schemas.microsoft.com/office/drawing/2014/main" id="{7CF3C280-A1CC-E433-120C-184F2B1413DB}"/>
+              </a:ext>
+            </a:extLst>
+          </p:cNvPr>
+          <p:cNvSpPr txBox="1"/>
+          <p:nvPr/>
+        </p:nvSpPr>
+        <p:spPr>
+          <a:xfrm>
+            <a:off x="4899660" y="1340612"/>
+            <a:ext cx="917495" cy="369332"/>
+          </a:xfrm>
+          <a:prstGeom prst="rect">
+            <a:avLst/>
+          </a:prstGeom>
+          <a:noFill/>
+        </p:spPr>
+        <p:txBody>
+          <a:bodyPr wrap="none" rtlCol="0">
+            <a:spAutoFit/>
+          </a:bodyPr>
+          <a:lstStyle/>
+          <a:p>
+            <a:r>
+              <a:rPr lang="en-US" altLang="zh-TW" dirty="0" err="1"/>
+              <a:t>tx_data</a:t>
+            </a:r>
+            <a:endParaRPr lang="zh-TW" altLang="en-US" dirty="0"/>
+          </a:p>
+        </p:txBody>
+      </p:sp>
     </p:spTree>
     <p:extLst>
       <p:ext uri="{BB962C8B-B14F-4D97-AF65-F5344CB8AC3E}">
